--- a/Slides/POO/5 Herencia.pptx
+++ b/Slides/POO/5 Herencia.pptx
@@ -766,6 +766,30 @@
       </pc:sldChg>
     </pc:docChg>
   </pc:docChgLst>
+  <pc:docChgLst>
+    <pc:chgData name="Cesar Augusto Lopez Gallego" userId="0dfa9112-9251-4882-b472-cf2dfcee09d1" providerId="ADAL" clId="{0A74DC6A-8893-4D5A-A869-E87FF32D71E2}"/>
+    <pc:docChg chg="modSld">
+      <pc:chgData name="Cesar Augusto Lopez Gallego" userId="0dfa9112-9251-4882-b472-cf2dfcee09d1" providerId="ADAL" clId="{0A74DC6A-8893-4D5A-A869-E87FF32D71E2}" dt="2025-01-19T15:14:19.417" v="0" actId="1076"/>
+      <pc:docMkLst>
+        <pc:docMk/>
+      </pc:docMkLst>
+      <pc:sldChg chg="modSp mod">
+        <pc:chgData name="Cesar Augusto Lopez Gallego" userId="0dfa9112-9251-4882-b472-cf2dfcee09d1" providerId="ADAL" clId="{0A74DC6A-8893-4D5A-A869-E87FF32D71E2}" dt="2025-01-19T15:14:19.417" v="0" actId="1076"/>
+        <pc:sldMkLst>
+          <pc:docMk/>
+          <pc:sldMk cId="616583422" sldId="267"/>
+        </pc:sldMkLst>
+        <pc:spChg chg="mod">
+          <ac:chgData name="Cesar Augusto Lopez Gallego" userId="0dfa9112-9251-4882-b472-cf2dfcee09d1" providerId="ADAL" clId="{0A74DC6A-8893-4D5A-A869-E87FF32D71E2}" dt="2025-01-19T15:14:19.417" v="0" actId="1076"/>
+          <ac:spMkLst>
+            <pc:docMk/>
+            <pc:sldMk cId="616583422" sldId="267"/>
+            <ac:spMk id="4" creationId="{8EE665D1-C38D-42E5-B829-7ABDC71633C7}"/>
+          </ac:spMkLst>
+        </pc:spChg>
+      </pc:sldChg>
+    </pc:docChg>
+  </pc:docChgLst>
 </pc:chgInfo>
 </file>
 
@@ -851,7 +875,7 @@
           <a:p>
             <a:fld id="{0E74D431-BA94-4F8F-8B1D-5D548E3CD29D}" type="datetimeFigureOut">
               <a:rPr lang="es-CO" smtClean="0"/>
-              <a:t>29/09/2021</a:t>
+              <a:t>19/01/2025</a:t>
             </a:fld>
             <a:endParaRPr lang="es-CO"/>
           </a:p>
@@ -2656,7 +2680,7 @@
           <a:p>
             <a:fld id="{89F59D98-DBD6-4917-A301-8FD1A42DE569}" type="datetimeFigureOut">
               <a:rPr lang="es-CO" smtClean="0"/>
-              <a:t>29/09/2021</a:t>
+              <a:t>19/01/2025</a:t>
             </a:fld>
             <a:endParaRPr lang="es-CO"/>
           </a:p>
@@ -2826,7 +2850,7 @@
           <a:p>
             <a:fld id="{89F59D98-DBD6-4917-A301-8FD1A42DE569}" type="datetimeFigureOut">
               <a:rPr lang="es-CO" smtClean="0"/>
-              <a:t>29/09/2021</a:t>
+              <a:t>19/01/2025</a:t>
             </a:fld>
             <a:endParaRPr lang="es-CO"/>
           </a:p>
@@ -3006,7 +3030,7 @@
           <a:p>
             <a:fld id="{89F59D98-DBD6-4917-A301-8FD1A42DE569}" type="datetimeFigureOut">
               <a:rPr lang="es-CO" smtClean="0"/>
-              <a:t>29/09/2021</a:t>
+              <a:t>19/01/2025</a:t>
             </a:fld>
             <a:endParaRPr lang="es-CO"/>
           </a:p>
@@ -12072,7 +12096,7 @@
           <a:p>
             <a:fld id="{89F59D98-DBD6-4917-A301-8FD1A42DE569}" type="datetimeFigureOut">
               <a:rPr lang="es-CO" smtClean="0"/>
-              <a:t>29/09/2021</a:t>
+              <a:t>19/01/2025</a:t>
             </a:fld>
             <a:endParaRPr lang="es-CO"/>
           </a:p>
@@ -15676,7 +15700,7 @@
           <a:p>
             <a:fld id="{89F59D98-DBD6-4917-A301-8FD1A42DE569}" type="datetimeFigureOut">
               <a:rPr lang="es-CO" smtClean="0"/>
-              <a:t>29/09/2021</a:t>
+              <a:t>19/01/2025</a:t>
             </a:fld>
             <a:endParaRPr lang="es-CO"/>
           </a:p>
@@ -15908,7 +15932,7 @@
           <a:p>
             <a:fld id="{89F59D98-DBD6-4917-A301-8FD1A42DE569}" type="datetimeFigureOut">
               <a:rPr lang="es-CO" smtClean="0"/>
-              <a:t>29/09/2021</a:t>
+              <a:t>19/01/2025</a:t>
             </a:fld>
             <a:endParaRPr lang="es-CO"/>
           </a:p>
@@ -16275,7 +16299,7 @@
           <a:p>
             <a:fld id="{89F59D98-DBD6-4917-A301-8FD1A42DE569}" type="datetimeFigureOut">
               <a:rPr lang="es-CO" smtClean="0"/>
-              <a:t>29/09/2021</a:t>
+              <a:t>19/01/2025</a:t>
             </a:fld>
             <a:endParaRPr lang="es-CO"/>
           </a:p>
@@ -16393,7 +16417,7 @@
           <a:p>
             <a:fld id="{89F59D98-DBD6-4917-A301-8FD1A42DE569}" type="datetimeFigureOut">
               <a:rPr lang="es-CO" smtClean="0"/>
-              <a:t>29/09/2021</a:t>
+              <a:t>19/01/2025</a:t>
             </a:fld>
             <a:endParaRPr lang="es-CO"/>
           </a:p>
@@ -16488,7 +16512,7 @@
           <a:p>
             <a:fld id="{89F59D98-DBD6-4917-A301-8FD1A42DE569}" type="datetimeFigureOut">
               <a:rPr lang="es-CO" smtClean="0"/>
-              <a:t>29/09/2021</a:t>
+              <a:t>19/01/2025</a:t>
             </a:fld>
             <a:endParaRPr lang="es-CO"/>
           </a:p>
@@ -16765,7 +16789,7 @@
           <a:p>
             <a:fld id="{89F59D98-DBD6-4917-A301-8FD1A42DE569}" type="datetimeFigureOut">
               <a:rPr lang="es-CO" smtClean="0"/>
-              <a:t>29/09/2021</a:t>
+              <a:t>19/01/2025</a:t>
             </a:fld>
             <a:endParaRPr lang="es-CO"/>
           </a:p>
@@ -17018,7 +17042,7 @@
           <a:p>
             <a:fld id="{89F59D98-DBD6-4917-A301-8FD1A42DE569}" type="datetimeFigureOut">
               <a:rPr lang="es-CO" smtClean="0"/>
-              <a:t>29/09/2021</a:t>
+              <a:t>19/01/2025</a:t>
             </a:fld>
             <a:endParaRPr lang="es-CO"/>
           </a:p>
@@ -17231,7 +17255,7 @@
           <a:p>
             <a:fld id="{89F59D98-DBD6-4917-A301-8FD1A42DE569}" type="datetimeFigureOut">
               <a:rPr lang="es-CO" smtClean="0"/>
-              <a:t>29/09/2021</a:t>
+              <a:t>19/01/2025</a:t>
             </a:fld>
             <a:endParaRPr lang="es-CO"/>
           </a:p>
@@ -20390,7 +20414,7 @@
         </p:nvSpPr>
         <p:spPr>
           <a:xfrm>
-            <a:off x="838200" y="1464229"/>
+            <a:off x="441593" y="1259858"/>
             <a:ext cx="6096000" cy="646331"/>
           </a:xfrm>
           <a:prstGeom prst="rect">
